--- a/Bat algorithm.pptx
+++ b/Bat algorithm.pptx
@@ -5,7 +5,7 @@
     <p:sldMasterId id="2147483658" r:id="rId1"/>
   </p:sldMasterIdLst>
   <p:notesMasterIdLst>
-    <p:notesMasterId r:id="rId59"/>
+    <p:notesMasterId r:id="rId61"/>
   </p:notesMasterIdLst>
   <p:sldIdLst>
     <p:sldId id="256" r:id="rId2"/>
@@ -62,26 +62,28 @@
     <p:sldId id="332" r:id="rId53"/>
     <p:sldId id="326" r:id="rId54"/>
     <p:sldId id="333" r:id="rId55"/>
-    <p:sldId id="334" r:id="rId56"/>
-    <p:sldId id="336" r:id="rId57"/>
-    <p:sldId id="275" r:id="rId58"/>
+    <p:sldId id="337" r:id="rId56"/>
+    <p:sldId id="338" r:id="rId57"/>
+    <p:sldId id="334" r:id="rId58"/>
+    <p:sldId id="336" r:id="rId59"/>
+    <p:sldId id="275" r:id="rId60"/>
   </p:sldIdLst>
   <p:sldSz cx="9144000" cy="5143500" type="screen16x9"/>
   <p:notesSz cx="6858000" cy="9144000"/>
   <p:embeddedFontLst>
     <p:embeddedFont>
       <p:font typeface="Lato" panose="020F0502020204030203" pitchFamily="34" charset="0"/>
-      <p:regular r:id="rId60"/>
-      <p:bold r:id="rId61"/>
-      <p:italic r:id="rId62"/>
-      <p:boldItalic r:id="rId63"/>
+      <p:regular r:id="rId62"/>
+      <p:bold r:id="rId63"/>
+      <p:italic r:id="rId64"/>
+      <p:boldItalic r:id="rId65"/>
     </p:embeddedFont>
     <p:embeddedFont>
       <p:font typeface="Raleway" pitchFamily="2" charset="0"/>
-      <p:regular r:id="rId64"/>
-      <p:bold r:id="rId65"/>
-      <p:italic r:id="rId66"/>
-      <p:boldItalic r:id="rId67"/>
+      <p:regular r:id="rId66"/>
+      <p:bold r:id="rId67"/>
+      <p:italic r:id="rId68"/>
+      <p:boldItalic r:id="rId69"/>
     </p:embeddedFont>
   </p:embeddedFontLst>
   <p:defaultTextStyle>
@@ -2550,7 +2552,7 @@
 <dgm:dataModel xmlns:dgm="http://schemas.openxmlformats.org/drawingml/2006/diagram" xmlns:a="http://schemas.openxmlformats.org/drawingml/2006/main">
   <dgm:ptLst>
     <dgm:pt modelId="{9E053B7C-A5A2-4932-A012-DBE7974F89C4}" type="doc">
-      <dgm:prSet loTypeId="urn:microsoft.com/office/officeart/2005/8/layout/vList2" loCatId="list" qsTypeId="urn:microsoft.com/office/officeart/2005/8/quickstyle/simple2" qsCatId="simple" csTypeId="urn:microsoft.com/office/officeart/2005/8/colors/accent3_2" csCatId="accent3"/>
+      <dgm:prSet loTypeId="urn:microsoft.com/office/officeart/2005/8/layout/vList2" loCatId="list" qsTypeId="urn:microsoft.com/office/officeart/2005/8/quickstyle/simple2" qsCatId="simple" csTypeId="urn:microsoft.com/office/officeart/2005/8/colors/accent3_2" csCatId="accent3" phldr="1"/>
       <dgm:spPr/>
       <dgm:t>
         <a:bodyPr/>
@@ -2568,10 +2570,10 @@
         <a:lstStyle/>
         <a:p>
           <a:r>
-            <a:rPr lang="en-US" b="1"/>
+            <a:rPr lang="en-US" b="1" dirty="0"/>
             <a:t>1- Introduction to the Bat Algorithm</a:t>
           </a:r>
-          <a:endParaRPr lang="en-US"/>
+          <a:endParaRPr lang="en-US" dirty="0"/>
         </a:p>
       </dgm:t>
     </dgm:pt>
@@ -2836,7 +2838,11 @@
         <a:p>
           <a:r>
             <a:rPr lang="en-US" b="1" dirty="0"/>
-            <a:t>8-Conclusion</a:t>
+            <a:t>8-</a:t>
+          </a:r>
+          <a:r>
+            <a:rPr lang="en-US" b="1" i="0" dirty="0"/>
+            <a:t>Latest Research Updates on the Bat Algorithm</a:t>
           </a:r>
           <a:endParaRPr lang="en-US" dirty="0"/>
         </a:p>
@@ -3862,10 +3868,10 @@
             <a:buNone/>
           </a:pPr>
           <a:r>
-            <a:rPr lang="en-US" sz="1500" b="1" kern="1200"/>
+            <a:rPr lang="en-US" sz="1500" b="1" kern="1200" dirty="0"/>
             <a:t>1- Introduction to the Bat Algorithm</a:t>
           </a:r>
-          <a:endParaRPr lang="en-US" sz="1500" kern="1200"/>
+          <a:endParaRPr lang="en-US" sz="1500" kern="1200" dirty="0"/>
         </a:p>
       </dsp:txBody>
       <dsp:txXfrm>
@@ -4459,7 +4465,11 @@
           </a:pPr>
           <a:r>
             <a:rPr lang="en-US" sz="1500" b="1" kern="1200" dirty="0"/>
-            <a:t>8-Conclusion</a:t>
+            <a:t>8-</a:t>
+          </a:r>
+          <a:r>
+            <a:rPr lang="en-US" sz="1500" b="1" i="0" kern="1200" dirty="0"/>
+            <a:t>Latest Research Updates on the Bat Algorithm</a:t>
           </a:r>
           <a:endParaRPr lang="en-US" sz="1500" kern="1200" dirty="0"/>
         </a:p>
@@ -11418,6 +11428,218 @@
   <p:cSld>
     <p:spTree>
       <p:nvGrpSpPr>
+        <p:cNvPr id="1" name="Shape 127"/>
+        <p:cNvGrpSpPr/>
+        <p:nvPr/>
+      </p:nvGrpSpPr>
+      <p:grpSpPr>
+        <a:xfrm>
+          <a:off x="0" y="0"/>
+          <a:ext cx="0" cy="0"/>
+          <a:chOff x="0" y="0"/>
+          <a:chExt cx="0" cy="0"/>
+        </a:xfrm>
+      </p:grpSpPr>
+      <p:sp>
+        <p:nvSpPr>
+          <p:cNvPr id="128" name="Shape 128"/>
+          <p:cNvSpPr>
+            <a:spLocks noGrp="1" noRot="1" noChangeAspect="1"/>
+          </p:cNvSpPr>
+          <p:nvPr>
+            <p:ph type="sldImg" idx="2"/>
+          </p:nvPr>
+        </p:nvSpPr>
+        <p:spPr>
+          <a:xfrm>
+            <a:off x="381000" y="685800"/>
+            <a:ext cx="6096000" cy="3429000"/>
+          </a:xfrm>
+          <a:custGeom>
+            <a:avLst/>
+            <a:gdLst/>
+            <a:ahLst/>
+            <a:cxnLst/>
+            <a:rect l="0" t="0" r="0" b="0"/>
+            <a:pathLst>
+              <a:path w="120000" h="120000" extrusionOk="0">
+                <a:moveTo>
+                  <a:pt x="0" y="0"/>
+                </a:moveTo>
+                <a:lnTo>
+                  <a:pt x="120000" y="0"/>
+                </a:lnTo>
+                <a:lnTo>
+                  <a:pt x="120000" y="120000"/>
+                </a:lnTo>
+                <a:lnTo>
+                  <a:pt x="0" y="120000"/>
+                </a:lnTo>
+                <a:close/>
+              </a:path>
+            </a:pathLst>
+          </a:custGeom>
+        </p:spPr>
+      </p:sp>
+      <p:sp>
+        <p:nvSpPr>
+          <p:cNvPr id="129" name="Shape 129"/>
+          <p:cNvSpPr txBox="1">
+            <a:spLocks noGrp="1"/>
+          </p:cNvSpPr>
+          <p:nvPr>
+            <p:ph type="body" idx="1"/>
+          </p:nvPr>
+        </p:nvSpPr>
+        <p:spPr>
+          <a:xfrm>
+            <a:off x="685800" y="4343400"/>
+            <a:ext cx="5486400" cy="4114800"/>
+          </a:xfrm>
+          <a:prstGeom prst="rect">
+            <a:avLst/>
+          </a:prstGeom>
+        </p:spPr>
+        <p:txBody>
+          <a:bodyPr lIns="91425" tIns="91425" rIns="91425" bIns="91425" anchor="t" anchorCtr="0">
+            <a:noAutofit/>
+          </a:bodyPr>
+          <a:lstStyle/>
+          <a:p>
+            <a:pPr lvl="0">
+              <a:spcBef>
+                <a:spcPts val="0"/>
+              </a:spcBef>
+              <a:buNone/>
+            </a:pPr>
+            <a:endParaRPr/>
+          </a:p>
+        </p:txBody>
+      </p:sp>
+    </p:spTree>
+    <p:extLst>
+      <p:ext uri="{BB962C8B-B14F-4D97-AF65-F5344CB8AC3E}">
+        <p14:creationId xmlns:p14="http://schemas.microsoft.com/office/powerpoint/2010/main" val="2786232169"/>
+      </p:ext>
+    </p:extLst>
+  </p:cSld>
+  <p:clrMapOvr>
+    <a:masterClrMapping/>
+  </p:clrMapOvr>
+</p:notes>
+</file>
+
+<file path=ppt/notesSlides/notesSlide27.xml><?xml version="1.0" encoding="utf-8"?>
+<p:notes xmlns:a="http://schemas.openxmlformats.org/drawingml/2006/main" xmlns:r="http://schemas.openxmlformats.org/officeDocument/2006/relationships" xmlns:p="http://schemas.openxmlformats.org/presentationml/2006/main" showMasterSp="0" showMasterPhAnim="0">
+  <p:cSld>
+    <p:spTree>
+      <p:nvGrpSpPr>
+        <p:cNvPr id="1" name="Shape 163"/>
+        <p:cNvGrpSpPr/>
+        <p:nvPr/>
+      </p:nvGrpSpPr>
+      <p:grpSpPr>
+        <a:xfrm>
+          <a:off x="0" y="0"/>
+          <a:ext cx="0" cy="0"/>
+          <a:chOff x="0" y="0"/>
+          <a:chExt cx="0" cy="0"/>
+        </a:xfrm>
+      </p:grpSpPr>
+      <p:sp>
+        <p:nvSpPr>
+          <p:cNvPr id="164" name="Shape 164"/>
+          <p:cNvSpPr>
+            <a:spLocks noGrp="1" noRot="1" noChangeAspect="1"/>
+          </p:cNvSpPr>
+          <p:nvPr>
+            <p:ph type="sldImg" idx="2"/>
+          </p:nvPr>
+        </p:nvSpPr>
+        <p:spPr>
+          <a:xfrm>
+            <a:off x="381000" y="685800"/>
+            <a:ext cx="6096000" cy="3429000"/>
+          </a:xfrm>
+          <a:custGeom>
+            <a:avLst/>
+            <a:gdLst/>
+            <a:ahLst/>
+            <a:cxnLst/>
+            <a:rect l="0" t="0" r="0" b="0"/>
+            <a:pathLst>
+              <a:path w="120000" h="120000" extrusionOk="0">
+                <a:moveTo>
+                  <a:pt x="0" y="0"/>
+                </a:moveTo>
+                <a:lnTo>
+                  <a:pt x="120000" y="0"/>
+                </a:lnTo>
+                <a:lnTo>
+                  <a:pt x="120000" y="120000"/>
+                </a:lnTo>
+                <a:lnTo>
+                  <a:pt x="0" y="120000"/>
+                </a:lnTo>
+                <a:close/>
+              </a:path>
+            </a:pathLst>
+          </a:custGeom>
+        </p:spPr>
+      </p:sp>
+      <p:sp>
+        <p:nvSpPr>
+          <p:cNvPr id="165" name="Shape 165"/>
+          <p:cNvSpPr txBox="1">
+            <a:spLocks noGrp="1"/>
+          </p:cNvSpPr>
+          <p:nvPr>
+            <p:ph type="body" idx="1"/>
+          </p:nvPr>
+        </p:nvSpPr>
+        <p:spPr>
+          <a:xfrm>
+            <a:off x="685800" y="4343400"/>
+            <a:ext cx="5486400" cy="4114800"/>
+          </a:xfrm>
+          <a:prstGeom prst="rect">
+            <a:avLst/>
+          </a:prstGeom>
+        </p:spPr>
+        <p:txBody>
+          <a:bodyPr lIns="91425" tIns="91425" rIns="91425" bIns="91425" anchor="t" anchorCtr="0">
+            <a:noAutofit/>
+          </a:bodyPr>
+          <a:lstStyle/>
+          <a:p>
+            <a:pPr lvl="0">
+              <a:spcBef>
+                <a:spcPts val="0"/>
+              </a:spcBef>
+              <a:buNone/>
+            </a:pPr>
+            <a:endParaRPr/>
+          </a:p>
+        </p:txBody>
+      </p:sp>
+    </p:spTree>
+    <p:extLst>
+      <p:ext uri="{BB962C8B-B14F-4D97-AF65-F5344CB8AC3E}">
+        <p14:creationId xmlns:p14="http://schemas.microsoft.com/office/powerpoint/2010/main" val="2359381931"/>
+      </p:ext>
+    </p:extLst>
+  </p:cSld>
+  <p:clrMapOvr>
+    <a:masterClrMapping/>
+  </p:clrMapOvr>
+</p:notes>
+</file>
+
+<file path=ppt/notesSlides/notesSlide28.xml><?xml version="1.0" encoding="utf-8"?>
+<p:notes xmlns:a="http://schemas.openxmlformats.org/drawingml/2006/main" xmlns:r="http://schemas.openxmlformats.org/officeDocument/2006/relationships" xmlns:p="http://schemas.openxmlformats.org/presentationml/2006/main" showMasterSp="0" showMasterPhAnim="0">
+  <p:cSld>
+    <p:spTree>
+      <p:nvGrpSpPr>
         <p:cNvPr id="1" name="Shape 100"/>
         <p:cNvGrpSpPr/>
         <p:nvPr/>
@@ -11519,7 +11741,7 @@
 </p:notes>
 </file>
 
-<file path=ppt/notesSlides/notesSlide27.xml><?xml version="1.0" encoding="utf-8"?>
+<file path=ppt/notesSlides/notesSlide29.xml><?xml version="1.0" encoding="utf-8"?>
 <p:notes xmlns:a="http://schemas.openxmlformats.org/drawingml/2006/main" xmlns:r="http://schemas.openxmlformats.org/officeDocument/2006/relationships" xmlns:p="http://schemas.openxmlformats.org/presentationml/2006/main" showMasterSp="0" showMasterPhAnim="0">
   <p:cSld>
     <p:spTree>
@@ -11618,107 +11840,6 @@
         <p14:creationId xmlns:p14="http://schemas.microsoft.com/office/powerpoint/2010/main" val="3835304349"/>
       </p:ext>
     </p:extLst>
-  </p:cSld>
-  <p:clrMapOvr>
-    <a:masterClrMapping/>
-  </p:clrMapOvr>
-</p:notes>
-</file>
-
-<file path=ppt/notesSlides/notesSlide28.xml><?xml version="1.0" encoding="utf-8"?>
-<p:notes xmlns:a="http://schemas.openxmlformats.org/drawingml/2006/main" xmlns:r="http://schemas.openxmlformats.org/officeDocument/2006/relationships" xmlns:p="http://schemas.openxmlformats.org/presentationml/2006/main" showMasterSp="0" showMasterPhAnim="0">
-  <p:cSld>
-    <p:spTree>
-      <p:nvGrpSpPr>
-        <p:cNvPr id="1" name="Shape 206"/>
-        <p:cNvGrpSpPr/>
-        <p:nvPr/>
-      </p:nvGrpSpPr>
-      <p:grpSpPr>
-        <a:xfrm>
-          <a:off x="0" y="0"/>
-          <a:ext cx="0" cy="0"/>
-          <a:chOff x="0" y="0"/>
-          <a:chExt cx="0" cy="0"/>
-        </a:xfrm>
-      </p:grpSpPr>
-      <p:sp>
-        <p:nvSpPr>
-          <p:cNvPr id="207" name="Shape 207"/>
-          <p:cNvSpPr>
-            <a:spLocks noGrp="1" noRot="1" noChangeAspect="1"/>
-          </p:cNvSpPr>
-          <p:nvPr>
-            <p:ph type="sldImg" idx="2"/>
-          </p:nvPr>
-        </p:nvSpPr>
-        <p:spPr>
-          <a:xfrm>
-            <a:off x="381000" y="685800"/>
-            <a:ext cx="6096000" cy="3429000"/>
-          </a:xfrm>
-          <a:custGeom>
-            <a:avLst/>
-            <a:gdLst/>
-            <a:ahLst/>
-            <a:cxnLst/>
-            <a:rect l="0" t="0" r="0" b="0"/>
-            <a:pathLst>
-              <a:path w="120000" h="120000" extrusionOk="0">
-                <a:moveTo>
-                  <a:pt x="0" y="0"/>
-                </a:moveTo>
-                <a:lnTo>
-                  <a:pt x="120000" y="0"/>
-                </a:lnTo>
-                <a:lnTo>
-                  <a:pt x="120000" y="120000"/>
-                </a:lnTo>
-                <a:lnTo>
-                  <a:pt x="0" y="120000"/>
-                </a:lnTo>
-                <a:close/>
-              </a:path>
-            </a:pathLst>
-          </a:custGeom>
-        </p:spPr>
-      </p:sp>
-      <p:sp>
-        <p:nvSpPr>
-          <p:cNvPr id="208" name="Shape 208"/>
-          <p:cNvSpPr txBox="1">
-            <a:spLocks noGrp="1"/>
-          </p:cNvSpPr>
-          <p:nvPr>
-            <p:ph type="body" idx="1"/>
-          </p:nvPr>
-        </p:nvSpPr>
-        <p:spPr>
-          <a:xfrm>
-            <a:off x="685800" y="4343400"/>
-            <a:ext cx="5486400" cy="4114800"/>
-          </a:xfrm>
-          <a:prstGeom prst="rect">
-            <a:avLst/>
-          </a:prstGeom>
-        </p:spPr>
-        <p:txBody>
-          <a:bodyPr lIns="91425" tIns="91425" rIns="91425" bIns="91425" anchor="t" anchorCtr="0">
-            <a:noAutofit/>
-          </a:bodyPr>
-          <a:lstStyle/>
-          <a:p>
-            <a:pPr lvl="0">
-              <a:spcBef>
-                <a:spcPts val="0"/>
-              </a:spcBef>
-              <a:buNone/>
-            </a:pPr>
-            <a:endParaRPr dirty="0"/>
-          </a:p>
-        </p:txBody>
-      </p:sp>
-    </p:spTree>
   </p:cSld>
   <p:clrMapOvr>
     <a:masterClrMapping/>
@@ -11825,6 +11946,107 @@
         <p14:creationId xmlns:p14="http://schemas.microsoft.com/office/powerpoint/2010/main" val="3065362363"/>
       </p:ext>
     </p:extLst>
+  </p:cSld>
+  <p:clrMapOvr>
+    <a:masterClrMapping/>
+  </p:clrMapOvr>
+</p:notes>
+</file>
+
+<file path=ppt/notesSlides/notesSlide30.xml><?xml version="1.0" encoding="utf-8"?>
+<p:notes xmlns:a="http://schemas.openxmlformats.org/drawingml/2006/main" xmlns:r="http://schemas.openxmlformats.org/officeDocument/2006/relationships" xmlns:p="http://schemas.openxmlformats.org/presentationml/2006/main" showMasterSp="0" showMasterPhAnim="0">
+  <p:cSld>
+    <p:spTree>
+      <p:nvGrpSpPr>
+        <p:cNvPr id="1" name="Shape 206"/>
+        <p:cNvGrpSpPr/>
+        <p:nvPr/>
+      </p:nvGrpSpPr>
+      <p:grpSpPr>
+        <a:xfrm>
+          <a:off x="0" y="0"/>
+          <a:ext cx="0" cy="0"/>
+          <a:chOff x="0" y="0"/>
+          <a:chExt cx="0" cy="0"/>
+        </a:xfrm>
+      </p:grpSpPr>
+      <p:sp>
+        <p:nvSpPr>
+          <p:cNvPr id="207" name="Shape 207"/>
+          <p:cNvSpPr>
+            <a:spLocks noGrp="1" noRot="1" noChangeAspect="1"/>
+          </p:cNvSpPr>
+          <p:nvPr>
+            <p:ph type="sldImg" idx="2"/>
+          </p:nvPr>
+        </p:nvSpPr>
+        <p:spPr>
+          <a:xfrm>
+            <a:off x="381000" y="685800"/>
+            <a:ext cx="6096000" cy="3429000"/>
+          </a:xfrm>
+          <a:custGeom>
+            <a:avLst/>
+            <a:gdLst/>
+            <a:ahLst/>
+            <a:cxnLst/>
+            <a:rect l="0" t="0" r="0" b="0"/>
+            <a:pathLst>
+              <a:path w="120000" h="120000" extrusionOk="0">
+                <a:moveTo>
+                  <a:pt x="0" y="0"/>
+                </a:moveTo>
+                <a:lnTo>
+                  <a:pt x="120000" y="0"/>
+                </a:lnTo>
+                <a:lnTo>
+                  <a:pt x="120000" y="120000"/>
+                </a:lnTo>
+                <a:lnTo>
+                  <a:pt x="0" y="120000"/>
+                </a:lnTo>
+                <a:close/>
+              </a:path>
+            </a:pathLst>
+          </a:custGeom>
+        </p:spPr>
+      </p:sp>
+      <p:sp>
+        <p:nvSpPr>
+          <p:cNvPr id="208" name="Shape 208"/>
+          <p:cNvSpPr txBox="1">
+            <a:spLocks noGrp="1"/>
+          </p:cNvSpPr>
+          <p:nvPr>
+            <p:ph type="body" idx="1"/>
+          </p:nvPr>
+        </p:nvSpPr>
+        <p:spPr>
+          <a:xfrm>
+            <a:off x="685800" y="4343400"/>
+            <a:ext cx="5486400" cy="4114800"/>
+          </a:xfrm>
+          <a:prstGeom prst="rect">
+            <a:avLst/>
+          </a:prstGeom>
+        </p:spPr>
+        <p:txBody>
+          <a:bodyPr lIns="91425" tIns="91425" rIns="91425" bIns="91425" anchor="t" anchorCtr="0">
+            <a:noAutofit/>
+          </a:bodyPr>
+          <a:lstStyle/>
+          <a:p>
+            <a:pPr lvl="0">
+              <a:spcBef>
+                <a:spcPts val="0"/>
+              </a:spcBef>
+              <a:buNone/>
+            </a:pPr>
+            <a:endParaRPr dirty="0"/>
+          </a:p>
+        </p:txBody>
+      </p:sp>
+    </p:spTree>
   </p:cSld>
   <p:clrMapOvr>
     <a:masterClrMapping/>
@@ -18893,13 +19115,13 @@
           <p:nvPr>
             <p:extLst>
               <p:ext uri="{D42A27DB-BD31-4B8C-83A1-F6EECF244321}">
-                <p14:modId xmlns:p14="http://schemas.microsoft.com/office/powerpoint/2010/main" val="1997709527"/>
+                <p14:modId xmlns:p14="http://schemas.microsoft.com/office/powerpoint/2010/main" val="900880202"/>
               </p:ext>
             </p:extLst>
           </p:nvPr>
         </p:nvGraphicFramePr>
         <p:xfrm>
-          <a:off x="893700" y="1253887"/>
+          <a:off x="893700" y="1056510"/>
           <a:ext cx="6462600" cy="3264408"/>
         </p:xfrm>
         <a:graphic>
@@ -18908,6 +19130,146 @@
           </a:graphicData>
         </a:graphic>
       </p:graphicFrame>
+      <p:grpSp>
+        <p:nvGrpSpPr>
+          <p:cNvPr id="2" name="Groupe 1">
+            <a:extLst>
+              <a:ext uri="{FF2B5EF4-FFF2-40B4-BE49-F238E27FC236}">
+                <a16:creationId xmlns:a16="http://schemas.microsoft.com/office/drawing/2014/main" id="{9FFB3334-1D32-AEB4-FF8A-819040907434}"/>
+              </a:ext>
+            </a:extLst>
+          </p:cNvPr>
+          <p:cNvGrpSpPr/>
+          <p:nvPr/>
+        </p:nvGrpSpPr>
+        <p:grpSpPr>
+          <a:xfrm>
+            <a:off x="893700" y="4275855"/>
+            <a:ext cx="6462600" cy="351000"/>
+            <a:chOff x="0" y="2836404"/>
+            <a:chExt cx="6462600" cy="351000"/>
+          </a:xfrm>
+        </p:grpSpPr>
+        <p:sp>
+          <p:nvSpPr>
+            <p:cNvPr id="3" name="Rectangle : coins arrondis 2">
+              <a:extLst>
+                <a:ext uri="{FF2B5EF4-FFF2-40B4-BE49-F238E27FC236}">
+                  <a16:creationId xmlns:a16="http://schemas.microsoft.com/office/drawing/2014/main" id="{62CC3A4E-5445-5217-A20F-F875C53EA98E}"/>
+                </a:ext>
+              </a:extLst>
+            </p:cNvPr>
+            <p:cNvSpPr/>
+            <p:nvPr/>
+          </p:nvSpPr>
+          <p:spPr>
+            <a:xfrm>
+              <a:off x="0" y="2836404"/>
+              <a:ext cx="6462600" cy="351000"/>
+            </a:xfrm>
+            <a:prstGeom prst="roundRect">
+              <a:avLst/>
+            </a:prstGeom>
+          </p:spPr>
+          <p:style>
+            <a:lnRef idx="3">
+              <a:schemeClr val="lt1">
+                <a:hueOff val="0"/>
+                <a:satOff val="0"/>
+                <a:lumOff val="0"/>
+                <a:alphaOff val="0"/>
+              </a:schemeClr>
+            </a:lnRef>
+            <a:fillRef idx="1">
+              <a:schemeClr val="accent3">
+                <a:hueOff val="0"/>
+                <a:satOff val="0"/>
+                <a:lumOff val="0"/>
+                <a:alphaOff val="0"/>
+              </a:schemeClr>
+            </a:fillRef>
+            <a:effectRef idx="1">
+              <a:schemeClr val="accent3">
+                <a:hueOff val="0"/>
+                <a:satOff val="0"/>
+                <a:lumOff val="0"/>
+                <a:alphaOff val="0"/>
+              </a:schemeClr>
+            </a:effectRef>
+            <a:fontRef idx="minor">
+              <a:schemeClr val="lt1"/>
+            </a:fontRef>
+          </p:style>
+          <p:txBody>
+            <a:bodyPr/>
+            <a:lstStyle/>
+            <a:p>
+              <a:endParaRPr lang="en-US"/>
+            </a:p>
+          </p:txBody>
+        </p:sp>
+        <p:sp>
+          <p:nvSpPr>
+            <p:cNvPr id="4" name="Rectangle : coins arrondis 4">
+              <a:extLst>
+                <a:ext uri="{FF2B5EF4-FFF2-40B4-BE49-F238E27FC236}">
+                  <a16:creationId xmlns:a16="http://schemas.microsoft.com/office/drawing/2014/main" id="{CBD223E0-401C-5F44-8BF3-4533368976A6}"/>
+                </a:ext>
+              </a:extLst>
+            </p:cNvPr>
+            <p:cNvSpPr txBox="1"/>
+            <p:nvPr/>
+          </p:nvSpPr>
+          <p:spPr>
+            <a:xfrm>
+              <a:off x="17134" y="2853538"/>
+              <a:ext cx="6428332" cy="316732"/>
+            </a:xfrm>
+            <a:prstGeom prst="rect">
+              <a:avLst/>
+            </a:prstGeom>
+          </p:spPr>
+          <p:style>
+            <a:lnRef idx="0">
+              <a:scrgbClr r="0" g="0" b="0"/>
+            </a:lnRef>
+            <a:fillRef idx="0">
+              <a:scrgbClr r="0" g="0" b="0"/>
+            </a:fillRef>
+            <a:effectRef idx="0">
+              <a:scrgbClr r="0" g="0" b="0"/>
+            </a:effectRef>
+            <a:fontRef idx="minor">
+              <a:schemeClr val="lt1"/>
+            </a:fontRef>
+          </p:style>
+          <p:txBody>
+            <a:bodyPr spcFirstLastPara="0" vert="horz" wrap="square" lIns="57150" tIns="57150" rIns="57150" bIns="57150" numCol="1" spcCol="1270" anchor="ctr" anchorCtr="0">
+              <a:noAutofit/>
+            </a:bodyPr>
+            <a:lstStyle/>
+            <a:p>
+              <a:pPr marL="0" lvl="0" indent="0" algn="l" defTabSz="666750">
+                <a:lnSpc>
+                  <a:spcPct val="90000"/>
+                </a:lnSpc>
+                <a:spcBef>
+                  <a:spcPct val="0"/>
+                </a:spcBef>
+                <a:spcAft>
+                  <a:spcPct val="35000"/>
+                </a:spcAft>
+                <a:buNone/>
+              </a:pPr>
+              <a:r>
+                <a:rPr lang="en-US" sz="1500" b="1" kern="1200" dirty="0"/>
+                <a:t>9-Conclusion</a:t>
+              </a:r>
+              <a:endParaRPr lang="en-US" sz="1500" kern="1200" dirty="0"/>
+            </a:p>
+          </p:txBody>
+        </p:sp>
+      </p:grpSp>
     </p:spTree>
   </p:cSld>
   <p:clrMapOvr>
@@ -43332,7 +43694,7 @@
             </a:pPr>
             <a:r>
               <a:rPr lang="en-US" sz="1100" dirty="0"/>
-              <a:t>-GA: Generally slower due to complex genetic operations.</a:t>
+              <a:t>-GA(Genetic Algorithm): Generally slower due to complex genetic operations.</a:t>
             </a:r>
           </a:p>
           <a:p>
@@ -43347,7 +43709,7 @@
             </a:pPr>
             <a:r>
               <a:rPr lang="en-US" sz="1100" dirty="0"/>
-              <a:t>-PSO: Faster due to simpler calculations.</a:t>
+              <a:t>-PSO(Particle Swarm Optimization): Faster due to simpler calculations.</a:t>
             </a:r>
           </a:p>
           <a:p>
@@ -43362,7 +43724,7 @@
             </a:pPr>
             <a:r>
               <a:rPr lang="en-US" sz="1100" dirty="0"/>
-              <a:t>-BA: Comparable to PSO, often faster than GA due to efficient convergence mechanisms.</a:t>
+              <a:t>-BA(Bat Algorithm): Comparable to PSO, often faster than GA due to efficient convergence mechanisms.</a:t>
             </a:r>
           </a:p>
         </p:txBody>
@@ -44039,7 +44401,15 @@
             </a:r>
             <a:r>
               <a:rPr lang="en-US" sz="1100" dirty="0"/>
-              <a:t>initialize_bats(population, nb_of_panels) : </a:t>
+              <a:t>initialize_bats(population, </a:t>
+            </a:r>
+            <a:r>
+              <a:rPr lang="en-US" sz="1100" dirty="0" err="1"/>
+              <a:t>nb_of_panels</a:t>
+            </a:r>
+            <a:r>
+              <a:rPr lang="en-US" sz="1100" dirty="0"/>
+              <a:t>) : </a:t>
             </a:r>
             <a:r>
               <a:rPr lang="en-US" sz="900" dirty="0"/>
@@ -44062,7 +44432,15 @@
             </a:r>
             <a:r>
               <a:rPr lang="en-US" sz="1100" dirty="0"/>
-              <a:t>update_position(bat, velocity, nb_of_panels) : </a:t>
+              <a:t>update_position(bat, velocity, </a:t>
+            </a:r>
+            <a:r>
+              <a:rPr lang="en-US" sz="1100" dirty="0" err="1"/>
+              <a:t>nb_of_panels</a:t>
+            </a:r>
+            <a:r>
+              <a:rPr lang="en-US" sz="1100" dirty="0"/>
+              <a:t>) : </a:t>
             </a:r>
             <a:r>
               <a:rPr lang="en-US" sz="900" dirty="0"/>
@@ -44085,7 +44463,19 @@
             </a:r>
             <a:r>
               <a:rPr lang="en-US" sz="1100" dirty="0"/>
-              <a:t>objective_function(bats, nb_of_</a:t>
+              <a:t>objective_function(bats, </a:t>
+            </a:r>
+            <a:r>
+              <a:rPr lang="en-US" sz="1100" dirty="0" err="1"/>
+              <a:t>nb_of_</a:t>
+            </a:r>
+            <a:r>
+              <a:rPr lang="en-US" sz="1100" dirty="0" err="1">
+                <a:solidFill>
+                  <a:schemeClr val="bg2"/>
+                </a:solidFill>
+              </a:rPr>
+              <a:t>panels</a:t>
             </a:r>
             <a:r>
               <a:rPr lang="en-US" sz="1100" dirty="0">
@@ -44093,7 +44483,7 @@
                   <a:schemeClr val="bg2"/>
                 </a:solidFill>
               </a:rPr>
-              <a:t>panels) : </a:t>
+              <a:t>) : </a:t>
             </a:r>
             <a:r>
               <a:rPr lang="en-US" sz="900" dirty="0">
@@ -44127,12 +44517,20 @@
               <a:t>-</a:t>
             </a:r>
             <a:r>
+              <a:rPr lang="en-US" sz="1100" dirty="0" err="1">
+                <a:solidFill>
+                  <a:schemeClr val="bg2"/>
+                </a:solidFill>
+              </a:rPr>
+              <a:t>bat_algorithm</a:t>
+            </a:r>
+            <a:r>
               <a:rPr lang="en-US" sz="1100" dirty="0">
                 <a:solidFill>
                   <a:schemeClr val="bg2"/>
                 </a:solidFill>
               </a:rPr>
-              <a:t>bat_algorithm(...) : </a:t>
+              <a:t>(...) : </a:t>
             </a:r>
             <a:r>
               <a:rPr lang="en-US" sz="900" dirty="0">
@@ -44175,7 +44573,15 @@
             </a:r>
             <a:r>
               <a:rPr lang="en-US" sz="1100" dirty="0"/>
-              <a:t>save_positions_to_csv(position_history, panel_count) : </a:t>
+              <a:t>save_positions_to_csv(position_history, </a:t>
+            </a:r>
+            <a:r>
+              <a:rPr lang="en-US" sz="1100" dirty="0" err="1"/>
+              <a:t>panel_count</a:t>
+            </a:r>
+            <a:r>
+              <a:rPr lang="en-US" sz="1100" dirty="0"/>
+              <a:t>) : </a:t>
             </a:r>
             <a:r>
               <a:rPr lang="en-US" sz="900" dirty="0"/>
@@ -44197,8 +44603,12 @@
               <a:t>-</a:t>
             </a:r>
             <a:r>
+              <a:rPr lang="en-US" sz="1100" dirty="0" err="1"/>
+              <a:t>create_pdf_report</a:t>
+            </a:r>
+            <a:r>
               <a:rPr lang="en-US" sz="1100" dirty="0"/>
-              <a:t>create_pdf_report(...) : </a:t>
+              <a:t>(...) : </a:t>
             </a:r>
             <a:r>
               <a:rPr lang="en-US" sz="900" dirty="0"/>
@@ -44242,6 +44652,378 @@
 </file>
 
 <file path=ppt/slides/slide55.xml><?xml version="1.0" encoding="utf-8"?>
+<p:sld xmlns:a="http://schemas.openxmlformats.org/drawingml/2006/main" xmlns:r="http://schemas.openxmlformats.org/officeDocument/2006/relationships" xmlns:p="http://schemas.openxmlformats.org/presentationml/2006/main">
+  <p:cSld>
+    <p:spTree>
+      <p:nvGrpSpPr>
+        <p:cNvPr id="1" name="Shape 130"/>
+        <p:cNvGrpSpPr/>
+        <p:nvPr/>
+      </p:nvGrpSpPr>
+      <p:grpSpPr>
+        <a:xfrm>
+          <a:off x="0" y="0"/>
+          <a:ext cx="0" cy="0"/>
+          <a:chOff x="0" y="0"/>
+          <a:chExt cx="0" cy="0"/>
+        </a:xfrm>
+      </p:grpSpPr>
+      <p:sp>
+        <p:nvSpPr>
+          <p:cNvPr id="131" name="Shape 131"/>
+          <p:cNvSpPr txBox="1">
+            <a:spLocks noGrp="1"/>
+          </p:cNvSpPr>
+          <p:nvPr>
+            <p:ph type="ctrTitle"/>
+          </p:nvPr>
+        </p:nvSpPr>
+        <p:spPr>
+          <a:xfrm>
+            <a:off x="721425" y="2838934"/>
+            <a:ext cx="5935684" cy="1159800"/>
+          </a:xfrm>
+        </p:spPr>
+        <p:txBody>
+          <a:bodyPr lIns="91425" tIns="91425" rIns="91425" bIns="91425" anchor="t" anchorCtr="0">
+            <a:normAutofit/>
+          </a:bodyPr>
+          <a:lstStyle/>
+          <a:p>
+            <a:pPr lvl="0">
+              <a:lnSpc>
+                <a:spcPct val="90000"/>
+              </a:lnSpc>
+            </a:pPr>
+            <a:r>
+              <a:rPr lang="en-US" sz="3400" b="1" dirty="0"/>
+              <a:t>8-Latest Research Updates on the Bat Algorithm</a:t>
+            </a:r>
+          </a:p>
+        </p:txBody>
+      </p:sp>
+    </p:spTree>
+    <p:extLst>
+      <p:ext uri="{BB962C8B-B14F-4D97-AF65-F5344CB8AC3E}">
+        <p14:creationId xmlns:p14="http://schemas.microsoft.com/office/powerpoint/2010/main" val="3280270072"/>
+      </p:ext>
+    </p:extLst>
+  </p:cSld>
+  <p:clrMapOvr>
+    <a:masterClrMapping/>
+  </p:clrMapOvr>
+  <p:transition spd="slow">
+    <p:cut/>
+  </p:transition>
+</p:sld>
+</file>
+
+<file path=ppt/slides/slide56.xml><?xml version="1.0" encoding="utf-8"?>
+<p:sld xmlns:a="http://schemas.openxmlformats.org/drawingml/2006/main" xmlns:r="http://schemas.openxmlformats.org/officeDocument/2006/relationships" xmlns:p="http://schemas.openxmlformats.org/presentationml/2006/main">
+  <p:cSld>
+    <p:spTree>
+      <p:nvGrpSpPr>
+        <p:cNvPr id="1" name="Shape 166"/>
+        <p:cNvGrpSpPr/>
+        <p:nvPr/>
+      </p:nvGrpSpPr>
+      <p:grpSpPr>
+        <a:xfrm>
+          <a:off x="0" y="0"/>
+          <a:ext cx="0" cy="0"/>
+          <a:chOff x="0" y="0"/>
+          <a:chExt cx="0" cy="0"/>
+        </a:xfrm>
+      </p:grpSpPr>
+      <p:sp>
+        <p:nvSpPr>
+          <p:cNvPr id="4" name="ZoneTexte 3">
+            <a:extLst>
+              <a:ext uri="{FF2B5EF4-FFF2-40B4-BE49-F238E27FC236}">
+                <a16:creationId xmlns:a16="http://schemas.microsoft.com/office/drawing/2014/main" id="{1C7ADB01-1BBD-784D-2A7E-34F10C63B81E}"/>
+              </a:ext>
+            </a:extLst>
+          </p:cNvPr>
+          <p:cNvSpPr txBox="1"/>
+          <p:nvPr/>
+        </p:nvSpPr>
+        <p:spPr>
+          <a:xfrm>
+            <a:off x="893700" y="1027223"/>
+            <a:ext cx="6462600" cy="3552300"/>
+          </a:xfrm>
+          <a:prstGeom prst="rect">
+            <a:avLst/>
+          </a:prstGeom>
+          <a:noFill/>
+          <a:ln>
+            <a:noFill/>
+          </a:ln>
+        </p:spPr>
+        <p:txBody>
+          <a:bodyPr lIns="91425" tIns="91425" rIns="91425" bIns="91425" rtlCol="0" anchor="t" anchorCtr="0">
+            <a:normAutofit/>
+          </a:bodyPr>
+          <a:lstStyle/>
+          <a:p>
+            <a:pPr>
+              <a:lnSpc>
+                <a:spcPct val="90000"/>
+              </a:lnSpc>
+              <a:spcAft>
+                <a:spcPts val="600"/>
+              </a:spcAft>
+              <a:buClr>
+                <a:srgbClr val="677480"/>
+              </a:buClr>
+              <a:buSzPct val="100000"/>
+              <a:buFont typeface="Lato"/>
+              <a:buChar char="▷"/>
+            </a:pPr>
+            <a:r>
+              <a:rPr lang="en-US" sz="1200" b="0" i="0" u="none" strike="noStrike" cap="none" dirty="0">
+                <a:solidFill>
+                  <a:srgbClr val="677480"/>
+                </a:solidFill>
+                <a:latin typeface="Lato"/>
+                <a:ea typeface="Lato"/>
+                <a:cs typeface="Lato"/>
+                <a:sym typeface="Lato"/>
+              </a:rPr>
+              <a:t>Hybridization Techniques: Enhancing optimization through hybrid models combining the Bat Algorithm with other evolutionary algorithms for superior performance.</a:t>
+            </a:r>
+          </a:p>
+          <a:p>
+            <a:pPr>
+              <a:lnSpc>
+                <a:spcPct val="90000"/>
+              </a:lnSpc>
+              <a:spcAft>
+                <a:spcPts val="600"/>
+              </a:spcAft>
+              <a:buClr>
+                <a:srgbClr val="677480"/>
+              </a:buClr>
+              <a:buSzPct val="100000"/>
+              <a:buFont typeface="Lato"/>
+              <a:buChar char="▷"/>
+            </a:pPr>
+            <a:endParaRPr lang="en-US" sz="1200" b="0" i="0" u="none" strike="noStrike" cap="none" dirty="0">
+              <a:solidFill>
+                <a:srgbClr val="677480"/>
+              </a:solidFill>
+              <a:latin typeface="Lato"/>
+              <a:ea typeface="Lato"/>
+              <a:cs typeface="Lato"/>
+              <a:sym typeface="Lato"/>
+            </a:endParaRPr>
+          </a:p>
+          <a:p>
+            <a:pPr>
+              <a:lnSpc>
+                <a:spcPct val="90000"/>
+              </a:lnSpc>
+              <a:spcAft>
+                <a:spcPts val="600"/>
+              </a:spcAft>
+              <a:buClr>
+                <a:srgbClr val="677480"/>
+              </a:buClr>
+              <a:buSzPct val="100000"/>
+              <a:buFont typeface="Lato"/>
+              <a:buChar char="▷"/>
+            </a:pPr>
+            <a:r>
+              <a:rPr lang="en-US" sz="1200" b="0" i="0" u="none" strike="noStrike" cap="none" dirty="0">
+                <a:solidFill>
+                  <a:srgbClr val="677480"/>
+                </a:solidFill>
+                <a:latin typeface="Lato"/>
+                <a:ea typeface="Lato"/>
+                <a:cs typeface="Lato"/>
+                <a:sym typeface="Lato"/>
+              </a:rPr>
+              <a:t>Adaptive Mechanisms: Incorporating real-time adaptive adjustments to the algorithm’s parameters, improving efficiency in dynamic environments.</a:t>
+            </a:r>
+          </a:p>
+          <a:p>
+            <a:pPr>
+              <a:lnSpc>
+                <a:spcPct val="90000"/>
+              </a:lnSpc>
+              <a:spcAft>
+                <a:spcPts val="600"/>
+              </a:spcAft>
+              <a:buClr>
+                <a:srgbClr val="677480"/>
+              </a:buClr>
+              <a:buSzPct val="100000"/>
+              <a:buFont typeface="Lato"/>
+              <a:buChar char="▷"/>
+            </a:pPr>
+            <a:endParaRPr lang="en-US" sz="1200" b="0" i="0" u="none" strike="noStrike" cap="none" dirty="0">
+              <a:solidFill>
+                <a:srgbClr val="677480"/>
+              </a:solidFill>
+              <a:latin typeface="Lato"/>
+              <a:ea typeface="Lato"/>
+              <a:cs typeface="Lato"/>
+              <a:sym typeface="Lato"/>
+            </a:endParaRPr>
+          </a:p>
+          <a:p>
+            <a:pPr>
+              <a:lnSpc>
+                <a:spcPct val="90000"/>
+              </a:lnSpc>
+              <a:spcAft>
+                <a:spcPts val="600"/>
+              </a:spcAft>
+              <a:buClr>
+                <a:srgbClr val="677480"/>
+              </a:buClr>
+              <a:buSzPct val="100000"/>
+              <a:buFont typeface="Lato"/>
+              <a:buChar char="▷"/>
+            </a:pPr>
+            <a:r>
+              <a:rPr lang="en-US" sz="1200" b="0" i="0" u="none" strike="noStrike" cap="none" dirty="0">
+                <a:solidFill>
+                  <a:srgbClr val="677480"/>
+                </a:solidFill>
+                <a:latin typeface="Lato"/>
+                <a:ea typeface="Lato"/>
+                <a:cs typeface="Lato"/>
+                <a:sym typeface="Lato"/>
+              </a:rPr>
+              <a:t>Applications in New Domains: Expanding the Bat Algorithm's applications into cutting-edge fields like neural networks, drone navigation, and network security.</a:t>
+            </a:r>
+          </a:p>
+          <a:p>
+            <a:pPr>
+              <a:lnSpc>
+                <a:spcPct val="90000"/>
+              </a:lnSpc>
+              <a:spcAft>
+                <a:spcPts val="600"/>
+              </a:spcAft>
+              <a:buClr>
+                <a:srgbClr val="677480"/>
+              </a:buClr>
+              <a:buSzPct val="100000"/>
+              <a:buFont typeface="Lato"/>
+              <a:buChar char="▷"/>
+            </a:pPr>
+            <a:endParaRPr lang="en-US" sz="1200" b="0" i="0" u="none" strike="noStrike" cap="none" dirty="0">
+              <a:solidFill>
+                <a:srgbClr val="677480"/>
+              </a:solidFill>
+              <a:latin typeface="Lato"/>
+              <a:ea typeface="Lato"/>
+              <a:cs typeface="Lato"/>
+              <a:sym typeface="Lato"/>
+            </a:endParaRPr>
+          </a:p>
+          <a:p>
+            <a:pPr>
+              <a:lnSpc>
+                <a:spcPct val="90000"/>
+              </a:lnSpc>
+              <a:spcAft>
+                <a:spcPts val="600"/>
+              </a:spcAft>
+              <a:buClr>
+                <a:srgbClr val="677480"/>
+              </a:buClr>
+              <a:buSzPct val="100000"/>
+              <a:buFont typeface="Lato"/>
+              <a:buChar char="▷"/>
+            </a:pPr>
+            <a:r>
+              <a:rPr lang="en-US" sz="1200" b="0" i="0" u="none" strike="noStrike" cap="none" dirty="0">
+                <a:solidFill>
+                  <a:srgbClr val="677480"/>
+                </a:solidFill>
+                <a:latin typeface="Lato"/>
+                <a:ea typeface="Lato"/>
+                <a:cs typeface="Lato"/>
+                <a:sym typeface="Lato"/>
+              </a:rPr>
+              <a:t>Performance Enhancements: Algorithmic modifications aimed at speeding up convergence and increasing the robustness of solutions.</a:t>
+            </a:r>
+          </a:p>
+          <a:p>
+            <a:pPr>
+              <a:lnSpc>
+                <a:spcPct val="90000"/>
+              </a:lnSpc>
+              <a:spcAft>
+                <a:spcPts val="600"/>
+              </a:spcAft>
+              <a:buClr>
+                <a:srgbClr val="677480"/>
+              </a:buClr>
+              <a:buSzPct val="100000"/>
+              <a:buFont typeface="Lato"/>
+              <a:buChar char="▷"/>
+            </a:pPr>
+            <a:endParaRPr lang="en-US" sz="1200" b="0" i="0" u="none" strike="noStrike" cap="none" dirty="0">
+              <a:solidFill>
+                <a:srgbClr val="677480"/>
+              </a:solidFill>
+              <a:latin typeface="Lato"/>
+              <a:ea typeface="Lato"/>
+              <a:cs typeface="Lato"/>
+              <a:sym typeface="Lato"/>
+            </a:endParaRPr>
+          </a:p>
+          <a:p>
+            <a:pPr>
+              <a:lnSpc>
+                <a:spcPct val="90000"/>
+              </a:lnSpc>
+              <a:spcAft>
+                <a:spcPts val="600"/>
+              </a:spcAft>
+              <a:buClr>
+                <a:srgbClr val="677480"/>
+              </a:buClr>
+              <a:buSzPct val="100000"/>
+              <a:buFont typeface="Lato"/>
+              <a:buChar char="▷"/>
+            </a:pPr>
+            <a:r>
+              <a:rPr lang="en-US" sz="1200" b="0" i="0" u="none" strike="noStrike" cap="none" dirty="0">
+                <a:solidFill>
+                  <a:srgbClr val="677480"/>
+                </a:solidFill>
+                <a:latin typeface="Lato"/>
+                <a:ea typeface="Lato"/>
+                <a:cs typeface="Lato"/>
+                <a:sym typeface="Lato"/>
+              </a:rPr>
+              <a:t>Comparative Studies: Benchmarking the Bat Algorithm against contemporary methods to highlight its strengths and areas for improvement across various performance metrics.</a:t>
+            </a:r>
+          </a:p>
+        </p:txBody>
+      </p:sp>
+    </p:spTree>
+    <p:extLst>
+      <p:ext uri="{BB962C8B-B14F-4D97-AF65-F5344CB8AC3E}">
+        <p14:creationId xmlns:p14="http://schemas.microsoft.com/office/powerpoint/2010/main" val="3484332083"/>
+      </p:ext>
+    </p:extLst>
+  </p:cSld>
+  <p:clrMapOvr>
+    <a:masterClrMapping/>
+  </p:clrMapOvr>
+  <p:transition spd="slow">
+    <p:cut/>
+  </p:transition>
+</p:sld>
+</file>
+
+<file path=ppt/slides/slide57.xml><?xml version="1.0" encoding="utf-8"?>
 <p:sld xmlns:a="http://schemas.openxmlformats.org/drawingml/2006/main" xmlns:r="http://schemas.openxmlformats.org/officeDocument/2006/relationships" xmlns:p="http://schemas.openxmlformats.org/presentationml/2006/main">
   <p:cSld>
     <p:spTree>
@@ -44291,7 +45073,7 @@
             </a:pPr>
             <a:r>
               <a:rPr lang="en-US" sz="3400" b="1" dirty="0"/>
-              <a:t>8-Conclusion</a:t>
+              <a:t>9-Conclusion</a:t>
             </a:r>
           </a:p>
         </p:txBody>
@@ -44312,7 +45094,7 @@
 </p:sld>
 </file>
 
-<file path=ppt/slides/slide56.xml><?xml version="1.0" encoding="utf-8"?>
+<file path=ppt/slides/slide58.xml><?xml version="1.0" encoding="utf-8"?>
 <p:sld xmlns:a="http://schemas.openxmlformats.org/drawingml/2006/main" xmlns:r="http://schemas.openxmlformats.org/officeDocument/2006/relationships" xmlns:p="http://schemas.openxmlformats.org/presentationml/2006/main">
   <p:cSld>
     <p:spTree>
@@ -44434,7 +45216,7 @@
 </p:sld>
 </file>
 
-<file path=ppt/slides/slide57.xml><?xml version="1.0" encoding="utf-8"?>
+<file path=ppt/slides/slide59.xml><?xml version="1.0" encoding="utf-8"?>
 <p:sld xmlns:a="http://schemas.openxmlformats.org/drawingml/2006/main" xmlns:r="http://schemas.openxmlformats.org/officeDocument/2006/relationships" xmlns:p="http://schemas.openxmlformats.org/presentationml/2006/main">
   <p:cSld>
     <p:spTree>
